--- a/DOC&PPT/Machine+Learning+Course+Project.pptx
+++ b/DOC&PPT/Machine+Learning+Course+Project.pptx
@@ -13856,7 +13856,19 @@
               <a:rPr>
                 <a:sym typeface="+mn-ea"/>
               </a:rPr>
-              <a:t>Lin, Yi, Jingchi Jiang, Dongxin Chen, Zhaoyang Ma, Yi Guan, Xiguang Liu, Haiyan You和Jing Yang. DED: Diagnostic Evidence Distillation for Acne Severity Grading on Face Images. Expert Systems with Applications 228 (2023): 120312. </a:t>
+              <a:t>Lin, Yi, Jingchi Jiang, Dongxin Chen, Zhaoyang Ma, Yi Guan, Xiguang Liu, Haiyan You</a:t>
+            </a:r>
+            <a:r>
+              <a:rPr lang="en-US">
+                <a:sym typeface="+mn-ea"/>
+              </a:rPr>
+              <a:t>, </a:t>
+            </a:r>
+            <a:r>
+              <a:rPr>
+                <a:sym typeface="+mn-ea"/>
+              </a:rPr>
+              <a:t>Jing Yang. DED: Diagnostic Evidence Distillation for Acne Severity Grading on Face Images. Expert Systems with Applications 228 (2023): 120312. </a:t>
             </a:r>
             <a:endParaRPr>
               <a:sym typeface="+mn-ea"/>
